--- a/assets/界面.pptx
+++ b/assets/界面.pptx
@@ -220,7 +220,7 @@
           <a:p>
             <a:fld id="{4DAF3824-C89B-4078-BBCC-9B4767DFA02C}" type="datetimeFigureOut">
               <a:rPr lang="zh-CN" altLang="en-US" smtClean="0"/>
-              <a:t>2021/12/17</a:t>
+              <a:t>2021/12/29</a:t>
             </a:fld>
             <a:endParaRPr lang="zh-CN" altLang="en-US"/>
           </a:p>
@@ -21804,6 +21804,52 @@
       </p:grpSpPr>
       <p:sp>
         <p:nvSpPr>
+          <p:cNvPr id="3" name="矩形 2">
+            <a:extLst>
+              <a:ext uri="{FF2B5EF4-FFF2-40B4-BE49-F238E27FC236}">
+                <a16:creationId xmlns:a16="http://schemas.microsoft.com/office/drawing/2014/main" id="{7C04D3ED-17E5-4E1A-80B2-3E8C85F9521A}"/>
+              </a:ext>
+            </a:extLst>
+          </p:cNvPr>
+          <p:cNvSpPr/>
+          <p:nvPr/>
+        </p:nvSpPr>
+        <p:spPr>
+          <a:xfrm>
+            <a:off x="-88164" y="-49464"/>
+            <a:ext cx="11767976" cy="6907464"/>
+          </a:xfrm>
+          <a:prstGeom prst="rect">
+            <a:avLst/>
+          </a:prstGeom>
+        </p:spPr>
+        <p:style>
+          <a:lnRef idx="2">
+            <a:schemeClr val="dk1">
+              <a:shade val="50000"/>
+            </a:schemeClr>
+          </a:lnRef>
+          <a:fillRef idx="1">
+            <a:schemeClr val="dk1"/>
+          </a:fillRef>
+          <a:effectRef idx="0">
+            <a:schemeClr val="dk1"/>
+          </a:effectRef>
+          <a:fontRef idx="minor">
+            <a:schemeClr val="lt1"/>
+          </a:fontRef>
+        </p:style>
+        <p:txBody>
+          <a:bodyPr rtlCol="0" anchor="ctr"/>
+          <a:lstStyle/>
+          <a:p>
+            <a:pPr algn="ctr"/>
+            <a:endParaRPr lang="zh-CN" altLang="en-US"/>
+          </a:p>
+        </p:txBody>
+      </p:sp>
+      <p:sp>
+        <p:nvSpPr>
           <p:cNvPr id="2" name="文本框 1">
             <a:extLst>
               <a:ext uri="{FF2B5EF4-FFF2-40B4-BE49-F238E27FC236}">
@@ -25393,7 +25439,7 @@
         </p:nvSpPr>
         <p:spPr>
           <a:xfrm>
-            <a:off x="2444860" y="5609486"/>
+            <a:off x="3906045" y="5609486"/>
             <a:ext cx="2973891" cy="323165"/>
           </a:xfrm>
           <a:prstGeom prst="rect">
@@ -25474,8 +25520,8 @@
         </p:nvSpPr>
         <p:spPr>
           <a:xfrm>
-            <a:off x="446306" y="5609486"/>
-            <a:ext cx="1146468" cy="323165"/>
+            <a:off x="465896" y="5609486"/>
+            <a:ext cx="954107" cy="323165"/>
           </a:xfrm>
           <a:prstGeom prst="rect">
             <a:avLst/>
@@ -25507,7 +25553,7 @@
                 <a:latin typeface="宋体" panose="02010600030101010101" pitchFamily="2" charset="-122"/>
                 <a:ea typeface="宋体" panose="02010600030101010101" pitchFamily="2" charset="-122"/>
               </a:rPr>
-              <a:t>上一页 </a:t>
+              <a:t>首页 </a:t>
             </a:r>
             <a:r>
               <a:rPr lang="en-US" altLang="zh-CN" sz="1500">
@@ -25543,8 +25589,8 @@
         </p:nvSpPr>
         <p:spPr>
           <a:xfrm>
-            <a:off x="575272" y="5686748"/>
-            <a:ext cx="888121" cy="197279"/>
+            <a:off x="572348" y="5686748"/>
+            <a:ext cx="740788" cy="197279"/>
           </a:xfrm>
           <a:prstGeom prst="rect">
             <a:avLst/>
@@ -25595,7 +25641,7 @@
         </p:nvSpPr>
         <p:spPr>
           <a:xfrm>
-            <a:off x="1391388" y="5609486"/>
+            <a:off x="1239491" y="5609486"/>
             <a:ext cx="1146468" cy="323165"/>
           </a:xfrm>
           <a:prstGeom prst="rect">
@@ -25628,7 +25674,7 @@
                 <a:latin typeface="宋体" panose="02010600030101010101" pitchFamily="2" charset="-122"/>
                 <a:ea typeface="宋体" panose="02010600030101010101" pitchFamily="2" charset="-122"/>
               </a:rPr>
-              <a:t>下一页 </a:t>
+              <a:t>上一页 </a:t>
             </a:r>
             <a:r>
               <a:rPr lang="en-US" altLang="zh-CN" sz="1500">
@@ -25664,7 +25710,7 @@
         </p:nvSpPr>
         <p:spPr>
           <a:xfrm>
-            <a:off x="1520354" y="5686748"/>
+            <a:off x="1368457" y="5686748"/>
             <a:ext cx="888121" cy="197279"/>
           </a:xfrm>
           <a:prstGeom prst="rect">
@@ -25716,7 +25762,7 @@
         </p:nvSpPr>
         <p:spPr>
           <a:xfrm>
-            <a:off x="2553845" y="5687328"/>
+            <a:off x="4015030" y="5687328"/>
             <a:ext cx="2734278" cy="191039"/>
           </a:xfrm>
           <a:prstGeom prst="rect">
@@ -25726,6 +25772,248 @@
           <a:ln>
             <a:solidFill>
               <a:schemeClr val="accent1"/>
+            </a:solidFill>
+          </a:ln>
+        </p:spPr>
+        <p:style>
+          <a:lnRef idx="2">
+            <a:schemeClr val="accent1">
+              <a:shade val="50000"/>
+            </a:schemeClr>
+          </a:lnRef>
+          <a:fillRef idx="1">
+            <a:schemeClr val="accent1"/>
+          </a:fillRef>
+          <a:effectRef idx="0">
+            <a:schemeClr val="accent1"/>
+          </a:effectRef>
+          <a:fontRef idx="minor">
+            <a:schemeClr val="lt1"/>
+          </a:fontRef>
+        </p:style>
+        <p:txBody>
+          <a:bodyPr rtlCol="0" anchor="ctr"/>
+          <a:lstStyle/>
+          <a:p>
+            <a:pPr algn="ctr"/>
+            <a:endParaRPr lang="zh-CN" altLang="en-US"/>
+          </a:p>
+        </p:txBody>
+      </p:sp>
+      <p:sp>
+        <p:nvSpPr>
+          <p:cNvPr id="66" name="文本框 65">
+            <a:extLst>
+              <a:ext uri="{FF2B5EF4-FFF2-40B4-BE49-F238E27FC236}">
+                <a16:creationId xmlns:a16="http://schemas.microsoft.com/office/drawing/2014/main" id="{DF1079AF-65A9-4287-B7D8-83DE11279CD3}"/>
+              </a:ext>
+            </a:extLst>
+          </p:cNvPr>
+          <p:cNvSpPr txBox="1"/>
+          <p:nvPr/>
+        </p:nvSpPr>
+        <p:spPr>
+          <a:xfrm>
+            <a:off x="2170859" y="5609486"/>
+            <a:ext cx="1146468" cy="323165"/>
+          </a:xfrm>
+          <a:prstGeom prst="rect">
+            <a:avLst/>
+          </a:prstGeom>
+          <a:noFill/>
+        </p:spPr>
+        <p:txBody>
+          <a:bodyPr wrap="none" rtlCol="0">
+            <a:spAutoFit/>
+          </a:bodyPr>
+          <a:lstStyle/>
+          <a:p>
+            <a:pPr algn="ctr"/>
+            <a:r>
+              <a:rPr lang="en-US" altLang="zh-CN" sz="1500">
+                <a:solidFill>
+                  <a:schemeClr val="bg1"/>
+                </a:solidFill>
+                <a:latin typeface="宋体" panose="02010600030101010101" pitchFamily="2" charset="-122"/>
+                <a:ea typeface="宋体" panose="02010600030101010101" pitchFamily="2" charset="-122"/>
+              </a:rPr>
+              <a:t>| </a:t>
+            </a:r>
+            <a:r>
+              <a:rPr lang="zh-CN" altLang="en-US" sz="1500">
+                <a:solidFill>
+                  <a:schemeClr val="bg1"/>
+                </a:solidFill>
+                <a:latin typeface="宋体" panose="02010600030101010101" pitchFamily="2" charset="-122"/>
+                <a:ea typeface="宋体" panose="02010600030101010101" pitchFamily="2" charset="-122"/>
+              </a:rPr>
+              <a:t>下一页 </a:t>
+            </a:r>
+            <a:r>
+              <a:rPr lang="en-US" altLang="zh-CN" sz="1500">
+                <a:solidFill>
+                  <a:schemeClr val="bg1"/>
+                </a:solidFill>
+                <a:latin typeface="宋体" panose="02010600030101010101" pitchFamily="2" charset="-122"/>
+                <a:ea typeface="宋体" panose="02010600030101010101" pitchFamily="2" charset="-122"/>
+              </a:rPr>
+              <a:t>|</a:t>
+            </a:r>
+            <a:endParaRPr lang="zh-CN" altLang="en-US" sz="1500">
+              <a:solidFill>
+                <a:schemeClr val="bg1"/>
+              </a:solidFill>
+              <a:latin typeface="宋体" panose="02010600030101010101" pitchFamily="2" charset="-122"/>
+              <a:ea typeface="宋体" panose="02010600030101010101" pitchFamily="2" charset="-122"/>
+            </a:endParaRPr>
+          </a:p>
+        </p:txBody>
+      </p:sp>
+      <p:sp>
+        <p:nvSpPr>
+          <p:cNvPr id="92" name="矩形 91">
+            <a:extLst>
+              <a:ext uri="{FF2B5EF4-FFF2-40B4-BE49-F238E27FC236}">
+                <a16:creationId xmlns:a16="http://schemas.microsoft.com/office/drawing/2014/main" id="{BEFBE135-4028-43F6-BBE5-6F6BE9DBE1EC}"/>
+              </a:ext>
+            </a:extLst>
+          </p:cNvPr>
+          <p:cNvSpPr/>
+          <p:nvPr/>
+        </p:nvSpPr>
+        <p:spPr>
+          <a:xfrm>
+            <a:off x="2299826" y="5686748"/>
+            <a:ext cx="888121" cy="197279"/>
+          </a:xfrm>
+          <a:prstGeom prst="rect">
+            <a:avLst/>
+          </a:prstGeom>
+          <a:noFill/>
+          <a:ln>
+            <a:solidFill>
+              <a:schemeClr val="accent4"/>
+            </a:solidFill>
+          </a:ln>
+        </p:spPr>
+        <p:style>
+          <a:lnRef idx="2">
+            <a:schemeClr val="accent1">
+              <a:shade val="50000"/>
+            </a:schemeClr>
+          </a:lnRef>
+          <a:fillRef idx="1">
+            <a:schemeClr val="accent1"/>
+          </a:fillRef>
+          <a:effectRef idx="0">
+            <a:schemeClr val="accent1"/>
+          </a:effectRef>
+          <a:fontRef idx="minor">
+            <a:schemeClr val="lt1"/>
+          </a:fontRef>
+        </p:style>
+        <p:txBody>
+          <a:bodyPr rtlCol="0" anchor="ctr"/>
+          <a:lstStyle/>
+          <a:p>
+            <a:pPr algn="ctr"/>
+            <a:endParaRPr lang="zh-CN" altLang="en-US"/>
+          </a:p>
+        </p:txBody>
+      </p:sp>
+      <p:sp>
+        <p:nvSpPr>
+          <p:cNvPr id="93" name="文本框 92">
+            <a:extLst>
+              <a:ext uri="{FF2B5EF4-FFF2-40B4-BE49-F238E27FC236}">
+                <a16:creationId xmlns:a16="http://schemas.microsoft.com/office/drawing/2014/main" id="{1102B7BD-F953-4286-96C1-F6E7A43CFBD7}"/>
+              </a:ext>
+            </a:extLst>
+          </p:cNvPr>
+          <p:cNvSpPr txBox="1"/>
+          <p:nvPr/>
+        </p:nvSpPr>
+        <p:spPr>
+          <a:xfrm>
+            <a:off x="3117139" y="5609486"/>
+            <a:ext cx="954107" cy="323165"/>
+          </a:xfrm>
+          <a:prstGeom prst="rect">
+            <a:avLst/>
+          </a:prstGeom>
+          <a:noFill/>
+        </p:spPr>
+        <p:txBody>
+          <a:bodyPr wrap="none" rtlCol="0">
+            <a:spAutoFit/>
+          </a:bodyPr>
+          <a:lstStyle/>
+          <a:p>
+            <a:pPr algn="ctr"/>
+            <a:r>
+              <a:rPr lang="en-US" altLang="zh-CN" sz="1500">
+                <a:solidFill>
+                  <a:schemeClr val="bg1"/>
+                </a:solidFill>
+                <a:latin typeface="宋体" panose="02010600030101010101" pitchFamily="2" charset="-122"/>
+                <a:ea typeface="宋体" panose="02010600030101010101" pitchFamily="2" charset="-122"/>
+              </a:rPr>
+              <a:t>| </a:t>
+            </a:r>
+            <a:r>
+              <a:rPr lang="zh-CN" altLang="en-US" sz="1500">
+                <a:solidFill>
+                  <a:schemeClr val="bg1"/>
+                </a:solidFill>
+                <a:latin typeface="宋体" panose="02010600030101010101" pitchFamily="2" charset="-122"/>
+                <a:ea typeface="宋体" panose="02010600030101010101" pitchFamily="2" charset="-122"/>
+              </a:rPr>
+              <a:t>尾页 </a:t>
+            </a:r>
+            <a:r>
+              <a:rPr lang="en-US" altLang="zh-CN" sz="1500">
+                <a:solidFill>
+                  <a:schemeClr val="bg1"/>
+                </a:solidFill>
+                <a:latin typeface="宋体" panose="02010600030101010101" pitchFamily="2" charset="-122"/>
+                <a:ea typeface="宋体" panose="02010600030101010101" pitchFamily="2" charset="-122"/>
+              </a:rPr>
+              <a:t>|</a:t>
+            </a:r>
+            <a:endParaRPr lang="zh-CN" altLang="en-US" sz="1500">
+              <a:solidFill>
+                <a:schemeClr val="bg1"/>
+              </a:solidFill>
+              <a:latin typeface="宋体" panose="02010600030101010101" pitchFamily="2" charset="-122"/>
+              <a:ea typeface="宋体" panose="02010600030101010101" pitchFamily="2" charset="-122"/>
+            </a:endParaRPr>
+          </a:p>
+        </p:txBody>
+      </p:sp>
+      <p:sp>
+        <p:nvSpPr>
+          <p:cNvPr id="94" name="矩形 93">
+            <a:extLst>
+              <a:ext uri="{FF2B5EF4-FFF2-40B4-BE49-F238E27FC236}">
+                <a16:creationId xmlns:a16="http://schemas.microsoft.com/office/drawing/2014/main" id="{4CEA101E-7F57-4B36-AA1D-E97ABF26F248}"/>
+              </a:ext>
+            </a:extLst>
+          </p:cNvPr>
+          <p:cNvSpPr/>
+          <p:nvPr/>
+        </p:nvSpPr>
+        <p:spPr>
+          <a:xfrm>
+            <a:off x="3237770" y="5686748"/>
+            <a:ext cx="712432" cy="197279"/>
+          </a:xfrm>
+          <a:prstGeom prst="rect">
+            <a:avLst/>
+          </a:prstGeom>
+          <a:noFill/>
+          <a:ln>
+            <a:solidFill>
+              <a:schemeClr val="accent4"/>
             </a:solidFill>
           </a:ln>
         </p:spPr>
